--- a/PPT/PythonOO03-OO.pptx
+++ b/PPT/PythonOO03-OO.pptx
@@ -16109,73 +16109,11 @@
             </a:r>
           </a:p>
           <a:p>
-            <a:r>
-              <a:rPr lang="fr-FR" dirty="0"/>
-              <a:t>Redéfinition de __init__()</a:t>
-            </a:r>
-          </a:p>
-          <a:p>
-            <a:pPr lvl="1"/>
-            <a:r>
-              <a:rPr lang="fr-FR" dirty="0"/>
-              <a:t>Il est déconseillé de modifier __init__()</a:t>
-            </a:r>
-          </a:p>
-          <a:p>
-            <a:pPr lvl="1"/>
-            <a:r>
-              <a:rPr lang="fr-FR" dirty="0"/>
-              <a:t>Utiliser __</a:t>
-            </a:r>
-            <a:r>
-              <a:rPr lang="fr-FR" dirty="0" err="1"/>
-              <a:t>post_init</a:t>
-            </a:r>
-            <a:r>
-              <a:rPr lang="fr-FR" dirty="0"/>
-              <a:t>__()</a:t>
-            </a:r>
-          </a:p>
-          <a:p>
-            <a:pPr lvl="1"/>
-            <a:endParaRPr lang="fr-FR" dirty="0"/>
-          </a:p>
-          <a:p>
             <a:pPr lvl="1"/>
             <a:endParaRPr lang="fr-FR" dirty="0"/>
           </a:p>
         </p:txBody>
       </p:sp>
-      <p:pic>
-        <p:nvPicPr>
-          <p:cNvPr id="4" name="Image 3">
-            <a:extLst>
-              <a:ext uri="{FF2B5EF4-FFF2-40B4-BE49-F238E27FC236}">
-                <a16:creationId xmlns:a16="http://schemas.microsoft.com/office/drawing/2014/main" id="{E8F920FC-F879-41B8-AA08-5ACC0012A522}"/>
-              </a:ext>
-            </a:extLst>
-          </p:cNvPr>
-          <p:cNvPicPr>
-            <a:picLocks noChangeAspect="1"/>
-          </p:cNvPicPr>
-          <p:nvPr/>
-        </p:nvPicPr>
-        <p:blipFill>
-          <a:blip r:embed="rId2"/>
-          <a:stretch>
-            <a:fillRect/>
-          </a:stretch>
-        </p:blipFill>
-        <p:spPr>
-          <a:xfrm>
-            <a:off x="164493" y="4365104"/>
-            <a:ext cx="8782050" cy="847725"/>
-          </a:xfrm>
-          <a:prstGeom prst="rect">
-            <a:avLst/>
-          </a:prstGeom>
-        </p:spPr>
-      </p:pic>
     </p:spTree>
     <p:extLst>
       <p:ext uri="{BB962C8B-B14F-4D97-AF65-F5344CB8AC3E}">
@@ -22856,23 +22794,11 @@
             <a:pPr lvl="1"/>
             <a:r>
               <a:rPr lang="fr-FR" dirty="0" err="1"/>
-              <a:t>m</a:t>
-            </a:r>
-            <a:r>
-              <a:rPr lang="fr-FR"/>
-              <a:t>y_dict</a:t>
+              <a:t>my_dict</a:t>
             </a:r>
             <a:r>
               <a:rPr lang="fr-FR" dirty="0"/>
-              <a:t> = </a:t>
-            </a:r>
-            <a:r>
-              <a:rPr lang="fr-FR" dirty="0" err="1"/>
-              <a:t>Dict</a:t>
-            </a:r>
-            <a:r>
-              <a:rPr lang="fr-FR" dirty="0"/>
-              <a:t>[</a:t>
+              <a:t> = Dict[</a:t>
             </a:r>
             <a:r>
               <a:rPr lang="fr-FR" dirty="0" err="1"/>
@@ -22897,24 +22823,6 @@
               <a:rPr lang="fr-FR" dirty="0"/>
               <a:t>Il ne s’agit pas d’un typage fort</a:t>
             </a:r>
-          </a:p>
-          <a:p>
-            <a:pPr lvl="1"/>
-            <a:r>
-              <a:rPr lang="fr-FR" dirty="0"/>
-              <a:t>C’est juste une annotation</a:t>
-            </a:r>
-          </a:p>
-          <a:p>
-            <a:pPr lvl="1"/>
-            <a:r>
-              <a:rPr lang="fr-FR" dirty="0"/>
-              <a:t>Peut pas s’utiliser avec une initialisation</a:t>
-            </a:r>
-          </a:p>
-          <a:p>
-            <a:pPr lvl="1"/>
-            <a:endParaRPr lang="fr-FR" dirty="0"/>
           </a:p>
         </p:txBody>
       </p:sp>

--- a/PPT/PythonOO03-OO.pptx
+++ b/PPT/PythonOO03-OO.pptx
@@ -5,10 +5,10 @@
     <p:sldMasterId id="2147483653" r:id="rId1"/>
   </p:sldMasterIdLst>
   <p:notesMasterIdLst>
-    <p:notesMasterId r:id="rId36"/>
+    <p:notesMasterId r:id="rId35"/>
   </p:notesMasterIdLst>
   <p:handoutMasterIdLst>
-    <p:handoutMasterId r:id="rId37"/>
+    <p:handoutMasterId r:id="rId36"/>
   </p:handoutMasterIdLst>
   <p:sldIdLst>
     <p:sldId id="264" r:id="rId2"/>
@@ -38,13 +38,12 @@
     <p:sldId id="314" r:id="rId26"/>
     <p:sldId id="315" r:id="rId27"/>
     <p:sldId id="322" r:id="rId28"/>
-    <p:sldId id="323" r:id="rId29"/>
-    <p:sldId id="277" r:id="rId30"/>
-    <p:sldId id="308" r:id="rId31"/>
-    <p:sldId id="278" r:id="rId32"/>
-    <p:sldId id="311" r:id="rId33"/>
-    <p:sldId id="317" r:id="rId34"/>
-    <p:sldId id="321" r:id="rId35"/>
+    <p:sldId id="277" r:id="rId29"/>
+    <p:sldId id="308" r:id="rId30"/>
+    <p:sldId id="278" r:id="rId31"/>
+    <p:sldId id="311" r:id="rId32"/>
+    <p:sldId id="317" r:id="rId33"/>
+    <p:sldId id="321" r:id="rId34"/>
   </p:sldIdLst>
   <p:sldSz cx="9144000" cy="6858000" type="screen4x3"/>
   <p:notesSz cx="6648450" cy="9782175"/>
@@ -1248,7 +1247,7 @@
             <a:fld id="{128995A5-4EA1-46DC-8F5B-4368CF269E26}" type="slidenum">
               <a:rPr lang="en-US" altLang="fr-FR" sz="1200"/>
               <a:pPr/>
-              <a:t>29</a:t>
+              <a:t>28</a:t>
             </a:fld>
             <a:endParaRPr lang="en-US" altLang="fr-FR" sz="1200"/>
           </a:p>
@@ -1444,7 +1443,7 @@
             <a:fld id="{E0672C6E-802E-4888-B97E-D5F7E1E72B2C}" type="slidenum">
               <a:rPr lang="en-US" altLang="fr-FR" sz="1200"/>
               <a:pPr/>
-              <a:t>31</a:t>
+              <a:t>30</a:t>
             </a:fld>
             <a:endParaRPr lang="en-US" altLang="fr-FR" sz="1200"/>
           </a:p>
@@ -16022,130 +16021,6 @@
       </p:grpSpPr>
       <p:sp>
         <p:nvSpPr>
-          <p:cNvPr id="2" name="Titre 1">
-            <a:extLst>
-              <a:ext uri="{FF2B5EF4-FFF2-40B4-BE49-F238E27FC236}">
-                <a16:creationId xmlns:a16="http://schemas.microsoft.com/office/drawing/2014/main" id="{CBE27C63-EBFD-4A80-A434-1AE8FD81BAFA}"/>
-              </a:ext>
-            </a:extLst>
-          </p:cNvPr>
-          <p:cNvSpPr>
-            <a:spLocks noGrp="1"/>
-          </p:cNvSpPr>
-          <p:nvPr>
-            <p:ph type="title"/>
-          </p:nvPr>
-        </p:nvSpPr>
-        <p:spPr/>
-        <p:txBody>
-          <a:bodyPr/>
-          <a:lstStyle/>
-          <a:p>
-            <a:r>
-              <a:rPr lang="fr-FR" dirty="0"/>
-              <a:t>Instanciation JSON</a:t>
-            </a:r>
-          </a:p>
-        </p:txBody>
-      </p:sp>
-      <p:sp>
-        <p:nvSpPr>
-          <p:cNvPr id="3" name="Espace réservé du contenu 2">
-            <a:extLst>
-              <a:ext uri="{FF2B5EF4-FFF2-40B4-BE49-F238E27FC236}">
-                <a16:creationId xmlns:a16="http://schemas.microsoft.com/office/drawing/2014/main" id="{AD3FFF62-7B08-4BFC-B42F-91F96651FEB0}"/>
-              </a:ext>
-            </a:extLst>
-          </p:cNvPr>
-          <p:cNvSpPr>
-            <a:spLocks noGrp="1"/>
-          </p:cNvSpPr>
-          <p:nvPr>
-            <p:ph idx="1"/>
-          </p:nvPr>
-        </p:nvSpPr>
-        <p:spPr/>
-        <p:txBody>
-          <a:bodyPr/>
-          <a:lstStyle/>
-          <a:p>
-            <a:r>
-              <a:rPr lang="fr-FR" dirty="0"/>
-              <a:t>Instanciation par dictionnaire d'une data class</a:t>
-            </a:r>
-          </a:p>
-          <a:p>
-            <a:pPr lvl="1"/>
-            <a:r>
-              <a:rPr lang="fr-FR" dirty="0"/>
-              <a:t>dico = {"</a:t>
-            </a:r>
-            <a:r>
-              <a:rPr lang="fr-FR" dirty="0" err="1"/>
-              <a:t>var_a":"A</a:t>
-            </a:r>
-            <a:r>
-              <a:rPr lang="fr-FR" dirty="0"/>
-              <a:t>", "</a:t>
-            </a:r>
-            <a:r>
-              <a:rPr lang="fr-FR" dirty="0" err="1"/>
-              <a:t>var_b":"B</a:t>
-            </a:r>
-            <a:r>
-              <a:rPr lang="fr-FR" dirty="0"/>
-              <a:t>"}</a:t>
-            </a:r>
-          </a:p>
-          <a:p>
-            <a:pPr lvl="1"/>
-            <a:r>
-              <a:rPr lang="fr-FR" dirty="0" err="1"/>
-              <a:t>MyClass</a:t>
-            </a:r>
-            <a:r>
-              <a:rPr lang="fr-FR" dirty="0"/>
-              <a:t>(**dico)</a:t>
-            </a:r>
-          </a:p>
-          <a:p>
-            <a:pPr lvl="1"/>
-            <a:endParaRPr lang="fr-FR" dirty="0"/>
-          </a:p>
-        </p:txBody>
-      </p:sp>
-    </p:spTree>
-    <p:extLst>
-      <p:ext uri="{BB962C8B-B14F-4D97-AF65-F5344CB8AC3E}">
-        <p14:creationId xmlns:p14="http://schemas.microsoft.com/office/powerpoint/2010/main" val="546203606"/>
-      </p:ext>
-    </p:extLst>
-  </p:cSld>
-  <p:clrMapOvr>
-    <a:masterClrMapping/>
-  </p:clrMapOvr>
-</p:sld>
-</file>
-
-<file path=ppt/slides/slide29.xml><?xml version="1.0" encoding="utf-8"?>
-<p:sld xmlns:a="http://schemas.openxmlformats.org/drawingml/2006/main" xmlns:r="http://schemas.openxmlformats.org/officeDocument/2006/relationships" xmlns:p="http://schemas.openxmlformats.org/presentationml/2006/main">
-  <p:cSld>
-    <p:spTree>
-      <p:nvGrpSpPr>
-        <p:cNvPr id="1" name=""/>
-        <p:cNvGrpSpPr/>
-        <p:nvPr/>
-      </p:nvGrpSpPr>
-      <p:grpSpPr>
-        <a:xfrm>
-          <a:off x="0" y="0"/>
-          <a:ext cx="0" cy="0"/>
-          <a:chOff x="0" y="0"/>
-          <a:chExt cx="0" cy="0"/>
-        </a:xfrm>
-      </p:grpSpPr>
-      <p:sp>
-        <p:nvSpPr>
           <p:cNvPr id="28674" name="Rectangle 21"/>
           <p:cNvSpPr>
             <a:spLocks noChangeArrowheads="1"/>
@@ -18693,6 +18568,123 @@
     <p:extLst>
       <p:ext uri="{BB962C8B-B14F-4D97-AF65-F5344CB8AC3E}">
         <p14:creationId xmlns:p14="http://schemas.microsoft.com/office/powerpoint/2010/main" val="1075243331"/>
+      </p:ext>
+    </p:extLst>
+  </p:cSld>
+  <p:clrMapOvr>
+    <a:masterClrMapping/>
+  </p:clrMapOvr>
+</p:sld>
+</file>
+
+<file path=ppt/slides/slide29.xml><?xml version="1.0" encoding="utf-8"?>
+<p:sld xmlns:a="http://schemas.openxmlformats.org/drawingml/2006/main" xmlns:r="http://schemas.openxmlformats.org/officeDocument/2006/relationships" xmlns:p="http://schemas.openxmlformats.org/presentationml/2006/main">
+  <p:cSld>
+    <p:spTree>
+      <p:nvGrpSpPr>
+        <p:cNvPr id="1" name=""/>
+        <p:cNvGrpSpPr/>
+        <p:nvPr/>
+      </p:nvGrpSpPr>
+      <p:grpSpPr>
+        <a:xfrm>
+          <a:off x="0" y="0"/>
+          <a:ext cx="0" cy="0"/>
+          <a:chOff x="0" y="0"/>
+          <a:chExt cx="0" cy="0"/>
+        </a:xfrm>
+      </p:grpSpPr>
+      <p:sp>
+        <p:nvSpPr>
+          <p:cNvPr id="2" name="Titre 1"/>
+          <p:cNvSpPr>
+            <a:spLocks noGrp="1"/>
+          </p:cNvSpPr>
+          <p:nvPr>
+            <p:ph type="title"/>
+          </p:nvPr>
+        </p:nvSpPr>
+        <p:spPr/>
+        <p:txBody>
+          <a:bodyPr/>
+          <a:lstStyle/>
+          <a:p>
+            <a:r>
+              <a:rPr lang="fr-FR" dirty="0"/>
+              <a:t>Attributs statiques</a:t>
+            </a:r>
+          </a:p>
+        </p:txBody>
+      </p:sp>
+      <p:sp>
+        <p:nvSpPr>
+          <p:cNvPr id="3" name="Espace réservé du contenu 2"/>
+          <p:cNvSpPr>
+            <a:spLocks noGrp="1"/>
+          </p:cNvSpPr>
+          <p:nvPr>
+            <p:ph idx="1"/>
+          </p:nvPr>
+        </p:nvSpPr>
+        <p:spPr/>
+        <p:txBody>
+          <a:bodyPr/>
+          <a:lstStyle/>
+          <a:p>
+            <a:r>
+              <a:rPr lang="fr-FR" dirty="0"/>
+              <a:t>En Python, les attributs statiques sont des variables de la classe</a:t>
+            </a:r>
+          </a:p>
+          <a:p>
+            <a:pPr lvl="1"/>
+            <a:r>
+              <a:rPr lang="fr-FR" dirty="0"/>
+              <a:t>Pas de mot clé </a:t>
+            </a:r>
+            <a:r>
+              <a:rPr lang="fr-FR" dirty="0" err="1"/>
+              <a:t>static</a:t>
+            </a:r>
+            <a:r>
+              <a:rPr lang="fr-FR" dirty="0"/>
+              <a:t> contrairement à C#, C++ et Java</a:t>
+            </a:r>
+          </a:p>
+          <a:p>
+            <a:pPr lvl="1"/>
+            <a:endParaRPr lang="fr-FR" dirty="0"/>
+          </a:p>
+        </p:txBody>
+      </p:sp>
+      <p:pic>
+        <p:nvPicPr>
+          <p:cNvPr id="4" name="Image 3"/>
+          <p:cNvPicPr>
+            <a:picLocks noChangeAspect="1"/>
+          </p:cNvPicPr>
+          <p:nvPr/>
+        </p:nvPicPr>
+        <p:blipFill>
+          <a:blip r:embed="rId2"/>
+          <a:stretch>
+            <a:fillRect/>
+          </a:stretch>
+        </p:blipFill>
+        <p:spPr>
+          <a:xfrm>
+            <a:off x="2378446" y="2837680"/>
+            <a:ext cx="3779665" cy="3039591"/>
+          </a:xfrm>
+          <a:prstGeom prst="rect">
+            <a:avLst/>
+          </a:prstGeom>
+        </p:spPr>
+      </p:pic>
+    </p:spTree>
+    <p:extLst>
+      <p:ext uri="{BB962C8B-B14F-4D97-AF65-F5344CB8AC3E}">
+        <p14:creationId xmlns:p14="http://schemas.microsoft.com/office/powerpoint/2010/main" val="3853657395"/>
       </p:ext>
     </p:extLst>
   </p:cSld>
@@ -19253,123 +19245,6 @@
 </file>
 
 <file path=ppt/slides/slide30.xml><?xml version="1.0" encoding="utf-8"?>
-<p:sld xmlns:a="http://schemas.openxmlformats.org/drawingml/2006/main" xmlns:r="http://schemas.openxmlformats.org/officeDocument/2006/relationships" xmlns:p="http://schemas.openxmlformats.org/presentationml/2006/main">
-  <p:cSld>
-    <p:spTree>
-      <p:nvGrpSpPr>
-        <p:cNvPr id="1" name=""/>
-        <p:cNvGrpSpPr/>
-        <p:nvPr/>
-      </p:nvGrpSpPr>
-      <p:grpSpPr>
-        <a:xfrm>
-          <a:off x="0" y="0"/>
-          <a:ext cx="0" cy="0"/>
-          <a:chOff x="0" y="0"/>
-          <a:chExt cx="0" cy="0"/>
-        </a:xfrm>
-      </p:grpSpPr>
-      <p:sp>
-        <p:nvSpPr>
-          <p:cNvPr id="2" name="Titre 1"/>
-          <p:cNvSpPr>
-            <a:spLocks noGrp="1"/>
-          </p:cNvSpPr>
-          <p:nvPr>
-            <p:ph type="title"/>
-          </p:nvPr>
-        </p:nvSpPr>
-        <p:spPr/>
-        <p:txBody>
-          <a:bodyPr/>
-          <a:lstStyle/>
-          <a:p>
-            <a:r>
-              <a:rPr lang="fr-FR" dirty="0"/>
-              <a:t>Attributs statiques</a:t>
-            </a:r>
-          </a:p>
-        </p:txBody>
-      </p:sp>
-      <p:sp>
-        <p:nvSpPr>
-          <p:cNvPr id="3" name="Espace réservé du contenu 2"/>
-          <p:cNvSpPr>
-            <a:spLocks noGrp="1"/>
-          </p:cNvSpPr>
-          <p:nvPr>
-            <p:ph idx="1"/>
-          </p:nvPr>
-        </p:nvSpPr>
-        <p:spPr/>
-        <p:txBody>
-          <a:bodyPr/>
-          <a:lstStyle/>
-          <a:p>
-            <a:r>
-              <a:rPr lang="fr-FR" dirty="0"/>
-              <a:t>En Python, les attributs statiques sont des variables de la classe</a:t>
-            </a:r>
-          </a:p>
-          <a:p>
-            <a:pPr lvl="1"/>
-            <a:r>
-              <a:rPr lang="fr-FR" dirty="0"/>
-              <a:t>Pas de mot clé </a:t>
-            </a:r>
-            <a:r>
-              <a:rPr lang="fr-FR" dirty="0" err="1"/>
-              <a:t>static</a:t>
-            </a:r>
-            <a:r>
-              <a:rPr lang="fr-FR" dirty="0"/>
-              <a:t> contrairement à C#, C++ et Java</a:t>
-            </a:r>
-          </a:p>
-          <a:p>
-            <a:pPr lvl="1"/>
-            <a:endParaRPr lang="fr-FR" dirty="0"/>
-          </a:p>
-        </p:txBody>
-      </p:sp>
-      <p:pic>
-        <p:nvPicPr>
-          <p:cNvPr id="4" name="Image 3"/>
-          <p:cNvPicPr>
-            <a:picLocks noChangeAspect="1"/>
-          </p:cNvPicPr>
-          <p:nvPr/>
-        </p:nvPicPr>
-        <p:blipFill>
-          <a:blip r:embed="rId2"/>
-          <a:stretch>
-            <a:fillRect/>
-          </a:stretch>
-        </p:blipFill>
-        <p:spPr>
-          <a:xfrm>
-            <a:off x="2378446" y="2837680"/>
-            <a:ext cx="3779665" cy="3039591"/>
-          </a:xfrm>
-          <a:prstGeom prst="rect">
-            <a:avLst/>
-          </a:prstGeom>
-        </p:spPr>
-      </p:pic>
-    </p:spTree>
-    <p:extLst>
-      <p:ext uri="{BB962C8B-B14F-4D97-AF65-F5344CB8AC3E}">
-        <p14:creationId xmlns:p14="http://schemas.microsoft.com/office/powerpoint/2010/main" val="3853657395"/>
-      </p:ext>
-    </p:extLst>
-  </p:cSld>
-  <p:clrMapOvr>
-    <a:masterClrMapping/>
-  </p:clrMapOvr>
-</p:sld>
-</file>
-
-<file path=ppt/slides/slide31.xml><?xml version="1.0" encoding="utf-8"?>
 <p:sld xmlns:a="http://schemas.openxmlformats.org/drawingml/2006/main" xmlns:r="http://schemas.openxmlformats.org/officeDocument/2006/relationships" xmlns:p="http://schemas.openxmlformats.org/presentationml/2006/main">
   <p:cSld>
     <p:spTree>
@@ -22468,7 +22343,7 @@
 </p:sld>
 </file>
 
-<file path=ppt/slides/slide32.xml><?xml version="1.0" encoding="utf-8"?>
+<file path=ppt/slides/slide31.xml><?xml version="1.0" encoding="utf-8"?>
 <p:sld xmlns:a="http://schemas.openxmlformats.org/drawingml/2006/main" xmlns:r="http://schemas.openxmlformats.org/officeDocument/2006/relationships" xmlns:p="http://schemas.openxmlformats.org/presentationml/2006/main">
   <p:cSld>
     <p:spTree>
@@ -22601,7 +22476,7 @@
 </p:sld>
 </file>
 
-<file path=ppt/slides/slide33.xml><?xml version="1.0" encoding="utf-8"?>
+<file path=ppt/slides/slide32.xml><?xml version="1.0" encoding="utf-8"?>
 <p:sld xmlns:a="http://schemas.openxmlformats.org/drawingml/2006/main" xmlns:r="http://schemas.openxmlformats.org/officeDocument/2006/relationships" xmlns:p="http://schemas.openxmlformats.org/presentationml/2006/main">
   <p:cSld>
     <p:spTree>
@@ -22706,7 +22581,7 @@
 </p:sld>
 </file>
 
-<file path=ppt/slides/slide34.xml><?xml version="1.0" encoding="utf-8"?>
+<file path=ppt/slides/slide33.xml><?xml version="1.0" encoding="utf-8"?>
 <p:sld xmlns:a="http://schemas.openxmlformats.org/drawingml/2006/main" xmlns:r="http://schemas.openxmlformats.org/officeDocument/2006/relationships" xmlns:p="http://schemas.openxmlformats.org/presentationml/2006/main">
   <p:cSld>
     <p:spTree>
